--- a/0912397_0912403_0912409_FacebookAPI_10/Document/Facebook API.pptx
+++ b/0912397_0912403_0912409_FacebookAPI_10/Document/Facebook API.pptx
@@ -8068,8 +8068,8 @@
     <dgm:cxn modelId="{F75AEF00-BB2F-4DAD-AE8C-440DBB66DAD2}" srcId="{A69E0D51-9C4B-410E-AE93-83AC8ED2BA0E}" destId="{4E3B4DCA-6E83-46C9-850A-49783C4EEB0B}" srcOrd="4" destOrd="0" parTransId="{61E5D434-1889-453F-9D68-EA0D425A6FF9}" sibTransId="{32484C59-3291-415B-9343-6D5F6B5529B7}"/>
     <dgm:cxn modelId="{BCCCA455-1644-4881-AC4E-309463A07725}" type="presOf" srcId="{17B344C9-1EA7-4B0E-9A55-965A7BDFBDDA}" destId="{CA82FE43-1792-492D-8F06-B0425C810782}" srcOrd="0" destOrd="0" presId="urn:microsoft.com/office/officeart/2005/8/layout/list1"/>
     <dgm:cxn modelId="{0C21136A-11D7-44FE-9037-610BE1A00F5B}" type="presOf" srcId="{CC3F0FFD-53D4-444D-A837-B3C783A3F0FE}" destId="{73F2B5C4-63D7-499F-A57A-FCFAA51B4D2E}" srcOrd="1" destOrd="0" presId="urn:microsoft.com/office/officeart/2005/8/layout/list1"/>
+    <dgm:cxn modelId="{5ED1DDCC-58E0-452B-9612-89E07739DD3E}" type="presOf" srcId="{4E3B4DCA-6E83-46C9-850A-49783C4EEB0B}" destId="{28B044C9-CA08-4421-959C-18F8A9D93A58}" srcOrd="0" destOrd="0" presId="urn:microsoft.com/office/officeart/2005/8/layout/list1"/>
     <dgm:cxn modelId="{D86D96BF-F448-4C6A-B579-A9AEAD6B1307}" type="presOf" srcId="{4E3B4DCA-6E83-46C9-850A-49783C4EEB0B}" destId="{886D0F16-1A75-4430-A0EB-6E8CB64EA2A6}" srcOrd="1" destOrd="0" presId="urn:microsoft.com/office/officeart/2005/8/layout/list1"/>
-    <dgm:cxn modelId="{5ED1DDCC-58E0-452B-9612-89E07739DD3E}" type="presOf" srcId="{4E3B4DCA-6E83-46C9-850A-49783C4EEB0B}" destId="{28B044C9-CA08-4421-959C-18F8A9D93A58}" srcOrd="0" destOrd="0" presId="urn:microsoft.com/office/officeart/2005/8/layout/list1"/>
     <dgm:cxn modelId="{7DD09E1E-AEC3-4D0A-8079-D772F50E0400}" srcId="{A69E0D51-9C4B-410E-AE93-83AC8ED2BA0E}" destId="{17B344C9-1EA7-4B0E-9A55-965A7BDFBDDA}" srcOrd="2" destOrd="0" parTransId="{36D69C11-9F23-404A-8501-C1DA5F8A212F}" sibTransId="{263CAC44-939B-438F-B9E2-B9C18C9FAB9E}"/>
     <dgm:cxn modelId="{78619C2C-7A65-462B-8E97-0671F72DC2B9}" type="presOf" srcId="{A69E0D51-9C4B-410E-AE93-83AC8ED2BA0E}" destId="{6A97AB2D-BCA0-48CC-8C0D-81F9BC6BDAEF}" srcOrd="0" destOrd="0" presId="urn:microsoft.com/office/officeart/2005/8/layout/list1"/>
     <dgm:cxn modelId="{EC7312EF-1A8A-4074-B055-3997591C8C7E}" srcId="{A69E0D51-9C4B-410E-AE93-83AC8ED2BA0E}" destId="{311ACF28-A2BE-4178-A180-3B09211F4F70}" srcOrd="0" destOrd="0" parTransId="{95499C90-D55F-44A4-B394-C5913286832A}" sibTransId="{8FCDC3C9-827A-4CD3-B288-90688BA15322}"/>
@@ -8255,6 +8255,13 @@
         </dgm:presLayoutVars>
       </dgm:prSet>
       <dgm:spPr/>
+      <dgm:t>
+        <a:bodyPr/>
+        <a:lstStyle/>
+        <a:p>
+          <a:endParaRPr lang="en-US"/>
+        </a:p>
+      </dgm:t>
     </dgm:pt>
     <dgm:pt modelId="{F5BB0449-0697-44B7-A7FB-DF2088480AEB}" type="pres">
       <dgm:prSet presAssocID="{119E8A45-BA19-4518-9065-433C3014E71D}" presName="composite" presStyleCnt="0"/>
@@ -8285,6 +8292,13 @@
         </dgm:presLayoutVars>
       </dgm:prSet>
       <dgm:spPr/>
+      <dgm:t>
+        <a:bodyPr/>
+        <a:lstStyle/>
+        <a:p>
+          <a:endParaRPr lang="en-US"/>
+        </a:p>
+      </dgm:t>
     </dgm:pt>
     <dgm:pt modelId="{ECB3A387-4618-4D53-B3E6-868B7D45DAA9}" type="pres">
       <dgm:prSet presAssocID="{805B5CD6-73DD-477C-AD06-CBC996A5198B}" presName="spacing" presStyleCnt="0"/>
@@ -8319,6 +8333,13 @@
         </dgm:presLayoutVars>
       </dgm:prSet>
       <dgm:spPr/>
+      <dgm:t>
+        <a:bodyPr/>
+        <a:lstStyle/>
+        <a:p>
+          <a:endParaRPr lang="en-US"/>
+        </a:p>
+      </dgm:t>
     </dgm:pt>
     <dgm:pt modelId="{3E8D7A78-706B-4BD6-8D72-C76E93FF525F}" type="pres">
       <dgm:prSet presAssocID="{F0C7E1E1-1614-4A66-9C15-D045AD486146}" presName="spacing" presStyleCnt="0"/>
@@ -8353,6 +8374,13 @@
         </dgm:presLayoutVars>
       </dgm:prSet>
       <dgm:spPr/>
+      <dgm:t>
+        <a:bodyPr/>
+        <a:lstStyle/>
+        <a:p>
+          <a:endParaRPr lang="en-US"/>
+        </a:p>
+      </dgm:t>
     </dgm:pt>
   </dgm:ptLst>
   <dgm:cxnLst>
@@ -9154,6 +9182,13 @@
         </dgm:presLayoutVars>
       </dgm:prSet>
       <dgm:spPr/>
+      <dgm:t>
+        <a:bodyPr/>
+        <a:lstStyle/>
+        <a:p>
+          <a:endParaRPr lang="en-US"/>
+        </a:p>
+      </dgm:t>
     </dgm:pt>
     <dgm:pt modelId="{FC9BCAA9-C133-4439-AE51-A8351D895900}" type="pres">
       <dgm:prSet presAssocID="{4ACE4B9E-4783-43A0-82F7-B3EC457B6D53}" presName="parentText" presStyleLbl="node1" presStyleIdx="0" presStyleCnt="3">
@@ -9163,6 +9198,13 @@
         </dgm:presLayoutVars>
       </dgm:prSet>
       <dgm:spPr/>
+      <dgm:t>
+        <a:bodyPr/>
+        <a:lstStyle/>
+        <a:p>
+          <a:endParaRPr lang="en-US"/>
+        </a:p>
+      </dgm:t>
     </dgm:pt>
     <dgm:pt modelId="{6D58CA9A-BBF8-4A69-BAE5-FA70D4EF83AB}" type="pres">
       <dgm:prSet presAssocID="{7A5EA420-4D1F-4AEA-954F-1B9615C92722}" presName="spacer" presStyleCnt="0"/>
@@ -9176,6 +9218,13 @@
         </dgm:presLayoutVars>
       </dgm:prSet>
       <dgm:spPr/>
+      <dgm:t>
+        <a:bodyPr/>
+        <a:lstStyle/>
+        <a:p>
+          <a:endParaRPr lang="en-US"/>
+        </a:p>
+      </dgm:t>
     </dgm:pt>
     <dgm:pt modelId="{7FD234A1-EA6F-48A1-AE57-61ADAE5425B8}" type="pres">
       <dgm:prSet presAssocID="{F9A1405A-3D1C-4B07-9695-B06F5F34DD81}" presName="spacer" presStyleCnt="0"/>
@@ -9189,6 +9238,13 @@
         </dgm:presLayoutVars>
       </dgm:prSet>
       <dgm:spPr/>
+      <dgm:t>
+        <a:bodyPr/>
+        <a:lstStyle/>
+        <a:p>
+          <a:endParaRPr lang="en-US"/>
+        </a:p>
+      </dgm:t>
     </dgm:pt>
   </dgm:ptLst>
   <dgm:cxnLst>
@@ -9792,22 +9848,22 @@
     </dgm:pt>
   </dgm:ptLst>
   <dgm:cxnLst>
-    <dgm:cxn modelId="{7DD09E1E-AEC3-4D0A-8079-D772F50E0400}" srcId="{A69E0D51-9C4B-410E-AE93-83AC8ED2BA0E}" destId="{17B344C9-1EA7-4B0E-9A55-965A7BDFBDDA}" srcOrd="2" destOrd="0" parTransId="{36D69C11-9F23-404A-8501-C1DA5F8A212F}" sibTransId="{263CAC44-939B-438F-B9E2-B9C18C9FAB9E}"/>
+    <dgm:cxn modelId="{EC7312EF-1A8A-4074-B055-3997591C8C7E}" srcId="{A69E0D51-9C4B-410E-AE93-83AC8ED2BA0E}" destId="{311ACF28-A2BE-4178-A180-3B09211F4F70}" srcOrd="0" destOrd="0" parTransId="{95499C90-D55F-44A4-B394-C5913286832A}" sibTransId="{8FCDC3C9-827A-4CD3-B288-90688BA15322}"/>
+    <dgm:cxn modelId="{052026D3-21EF-4AE6-9EF7-6708FB8BE045}" type="presOf" srcId="{4E3B4DCA-6E83-46C9-850A-49783C4EEB0B}" destId="{886D0F16-1A75-4430-A0EB-6E8CB64EA2A6}" srcOrd="1" destOrd="0" presId="urn:microsoft.com/office/officeart/2005/8/layout/list1"/>
+    <dgm:cxn modelId="{C92D2E09-A152-4DE6-9773-306418E68C8A}" type="presOf" srcId="{CC3F0FFD-53D4-444D-A837-B3C783A3F0FE}" destId="{73F2B5C4-63D7-499F-A57A-FCFAA51B4D2E}" srcOrd="1" destOrd="0" presId="urn:microsoft.com/office/officeart/2005/8/layout/list1"/>
     <dgm:cxn modelId="{AEEB77CE-196C-4B12-88A3-410B71D5448D}" type="presOf" srcId="{311ACF28-A2BE-4178-A180-3B09211F4F70}" destId="{8B3462DB-BC7B-48AE-A447-1B7DFCC0044E}" srcOrd="0" destOrd="0" presId="urn:microsoft.com/office/officeart/2005/8/layout/list1"/>
-    <dgm:cxn modelId="{C92D2E09-A152-4DE6-9773-306418E68C8A}" type="presOf" srcId="{CC3F0FFD-53D4-444D-A837-B3C783A3F0FE}" destId="{73F2B5C4-63D7-499F-A57A-FCFAA51B4D2E}" srcOrd="1" destOrd="0" presId="urn:microsoft.com/office/officeart/2005/8/layout/list1"/>
+    <dgm:cxn modelId="{70E9655B-79A3-414A-8F5D-186B2BDDEAA6}" type="presOf" srcId="{4E3B4DCA-6E83-46C9-850A-49783C4EEB0B}" destId="{28B044C9-CA08-4421-959C-18F8A9D93A58}" srcOrd="0" destOrd="0" presId="urn:microsoft.com/office/officeart/2005/8/layout/list1"/>
     <dgm:cxn modelId="{1AF60CE6-5BE0-483E-870D-B571B30F0D6E}" type="presOf" srcId="{311ACF28-A2BE-4178-A180-3B09211F4F70}" destId="{B6B52F1E-70FA-469C-929C-2B54ABB70041}" srcOrd="1" destOrd="0" presId="urn:microsoft.com/office/officeart/2005/8/layout/list1"/>
     <dgm:cxn modelId="{BF6D1467-F1D7-484D-B59F-8244F476EED5}" type="presOf" srcId="{17B344C9-1EA7-4B0E-9A55-965A7BDFBDDA}" destId="{1FAA7659-DA2C-45C2-9B93-E18148B67A95}" srcOrd="1" destOrd="0" presId="urn:microsoft.com/office/officeart/2005/8/layout/list1"/>
-    <dgm:cxn modelId="{F75AEF00-BB2F-4DAD-AE8C-440DBB66DAD2}" srcId="{A69E0D51-9C4B-410E-AE93-83AC8ED2BA0E}" destId="{4E3B4DCA-6E83-46C9-850A-49783C4EEB0B}" srcOrd="4" destOrd="0" parTransId="{61E5D434-1889-453F-9D68-EA0D425A6FF9}" sibTransId="{32484C59-3291-415B-9343-6D5F6B5529B7}"/>
-    <dgm:cxn modelId="{60E1BEF1-6952-43E2-A84C-10EFEB6F4729}" type="presOf" srcId="{2B80D5FC-47EA-4101-BB2E-B36F7F90670D}" destId="{E9955FB1-0D10-417B-B441-610F3CF6D2B8}" srcOrd="1" destOrd="0" presId="urn:microsoft.com/office/officeart/2005/8/layout/list1"/>
-    <dgm:cxn modelId="{052026D3-21EF-4AE6-9EF7-6708FB8BE045}" type="presOf" srcId="{4E3B4DCA-6E83-46C9-850A-49783C4EEB0B}" destId="{886D0F16-1A75-4430-A0EB-6E8CB64EA2A6}" srcOrd="1" destOrd="0" presId="urn:microsoft.com/office/officeart/2005/8/layout/list1"/>
     <dgm:cxn modelId="{734FE9D9-E8CF-4DD5-BB4D-075531E7D6E2}" type="presOf" srcId="{2B80D5FC-47EA-4101-BB2E-B36F7F90670D}" destId="{CBD8B360-93A3-4C48-9AF5-580B90D8C61F}" srcOrd="0" destOrd="0" presId="urn:microsoft.com/office/officeart/2005/8/layout/list1"/>
-    <dgm:cxn modelId="{750D6938-967D-4532-8262-167D91E4F514}" type="presOf" srcId="{CC3F0FFD-53D4-444D-A837-B3C783A3F0FE}" destId="{C84CFA93-6B1A-4630-A81B-92424FBA79FC}" srcOrd="0" destOrd="0" presId="urn:microsoft.com/office/officeart/2005/8/layout/list1"/>
+    <dgm:cxn modelId="{03EB0322-DE20-4878-85B1-BB549AA5B997}" type="presOf" srcId="{A69E0D51-9C4B-410E-AE93-83AC8ED2BA0E}" destId="{6A97AB2D-BCA0-48CC-8C0D-81F9BC6BDAEF}" srcOrd="0" destOrd="0" presId="urn:microsoft.com/office/officeart/2005/8/layout/list1"/>
     <dgm:cxn modelId="{42B5B9CF-E996-462A-B274-1CE82BC232E7}" srcId="{A69E0D51-9C4B-410E-AE93-83AC8ED2BA0E}" destId="{CC3F0FFD-53D4-444D-A837-B3C783A3F0FE}" srcOrd="1" destOrd="0" parTransId="{58595091-DCF9-4D43-8A65-818366E999B3}" sibTransId="{DEB6DC17-DF07-450C-B89F-9FBAD350A7C7}"/>
     <dgm:cxn modelId="{D32138D4-B3EA-4F17-9C79-DBAD07ED4329}" type="presOf" srcId="{17B344C9-1EA7-4B0E-9A55-965A7BDFBDDA}" destId="{CA82FE43-1792-492D-8F06-B0425C810782}" srcOrd="0" destOrd="0" presId="urn:microsoft.com/office/officeart/2005/8/layout/list1"/>
-    <dgm:cxn modelId="{03EB0322-DE20-4878-85B1-BB549AA5B997}" type="presOf" srcId="{A69E0D51-9C4B-410E-AE93-83AC8ED2BA0E}" destId="{6A97AB2D-BCA0-48CC-8C0D-81F9BC6BDAEF}" srcOrd="0" destOrd="0" presId="urn:microsoft.com/office/officeart/2005/8/layout/list1"/>
-    <dgm:cxn modelId="{70E9655B-79A3-414A-8F5D-186B2BDDEAA6}" type="presOf" srcId="{4E3B4DCA-6E83-46C9-850A-49783C4EEB0B}" destId="{28B044C9-CA08-4421-959C-18F8A9D93A58}" srcOrd="0" destOrd="0" presId="urn:microsoft.com/office/officeart/2005/8/layout/list1"/>
+    <dgm:cxn modelId="{750D6938-967D-4532-8262-167D91E4F514}" type="presOf" srcId="{CC3F0FFD-53D4-444D-A837-B3C783A3F0FE}" destId="{C84CFA93-6B1A-4630-A81B-92424FBA79FC}" srcOrd="0" destOrd="0" presId="urn:microsoft.com/office/officeart/2005/8/layout/list1"/>
+    <dgm:cxn modelId="{7DD09E1E-AEC3-4D0A-8079-D772F50E0400}" srcId="{A69E0D51-9C4B-410E-AE93-83AC8ED2BA0E}" destId="{17B344C9-1EA7-4B0E-9A55-965A7BDFBDDA}" srcOrd="2" destOrd="0" parTransId="{36D69C11-9F23-404A-8501-C1DA5F8A212F}" sibTransId="{263CAC44-939B-438F-B9E2-B9C18C9FAB9E}"/>
+    <dgm:cxn modelId="{60E1BEF1-6952-43E2-A84C-10EFEB6F4729}" type="presOf" srcId="{2B80D5FC-47EA-4101-BB2E-B36F7F90670D}" destId="{E9955FB1-0D10-417B-B441-610F3CF6D2B8}" srcOrd="1" destOrd="0" presId="urn:microsoft.com/office/officeart/2005/8/layout/list1"/>
     <dgm:cxn modelId="{C71B377F-4775-452C-8D1B-C64E6402D3D3}" srcId="{A69E0D51-9C4B-410E-AE93-83AC8ED2BA0E}" destId="{2B80D5FC-47EA-4101-BB2E-B36F7F90670D}" srcOrd="3" destOrd="0" parTransId="{0099A1AA-3EA2-4FA5-910D-DFCC670DCBE6}" sibTransId="{F90E328E-80BD-4D79-8FA2-A01CF162DD34}"/>
-    <dgm:cxn modelId="{EC7312EF-1A8A-4074-B055-3997591C8C7E}" srcId="{A69E0D51-9C4B-410E-AE93-83AC8ED2BA0E}" destId="{311ACF28-A2BE-4178-A180-3B09211F4F70}" srcOrd="0" destOrd="0" parTransId="{95499C90-D55F-44A4-B394-C5913286832A}" sibTransId="{8FCDC3C9-827A-4CD3-B288-90688BA15322}"/>
+    <dgm:cxn modelId="{F75AEF00-BB2F-4DAD-AE8C-440DBB66DAD2}" srcId="{A69E0D51-9C4B-410E-AE93-83AC8ED2BA0E}" destId="{4E3B4DCA-6E83-46C9-850A-49783C4EEB0B}" srcOrd="4" destOrd="0" parTransId="{61E5D434-1889-453F-9D68-EA0D425A6FF9}" sibTransId="{32484C59-3291-415B-9343-6D5F6B5529B7}"/>
     <dgm:cxn modelId="{6D3E9E00-37FA-40EB-86F8-DBC622F88723}" type="presParOf" srcId="{6A97AB2D-BCA0-48CC-8C0D-81F9BC6BDAEF}" destId="{3D62FC6F-058C-446D-9BD6-9CEF2A064968}" srcOrd="0" destOrd="0" presId="urn:microsoft.com/office/officeart/2005/8/layout/list1"/>
     <dgm:cxn modelId="{86CA4AED-BD89-4B58-9536-FA334DD70B4D}" type="presParOf" srcId="{3D62FC6F-058C-446D-9BD6-9CEF2A064968}" destId="{8B3462DB-BC7B-48AE-A447-1B7DFCC0044E}" srcOrd="0" destOrd="0" presId="urn:microsoft.com/office/officeart/2005/8/layout/list1"/>
     <dgm:cxn modelId="{85581178-1828-4B0B-A9B0-7EB4484C2F17}" type="presParOf" srcId="{3D62FC6F-058C-446D-9BD6-9CEF2A064968}" destId="{B6B52F1E-70FA-469C-929C-2B54ABB70041}" srcOrd="1" destOrd="0" presId="urn:microsoft.com/office/officeart/2005/8/layout/list1"/>
@@ -10617,6 +10673,13 @@
         </dgm:presLayoutVars>
       </dgm:prSet>
       <dgm:spPr/>
+      <dgm:t>
+        <a:bodyPr/>
+        <a:lstStyle/>
+        <a:p>
+          <a:endParaRPr lang="en-US"/>
+        </a:p>
+      </dgm:t>
     </dgm:pt>
     <dgm:pt modelId="{8D26716A-DE1B-49FB-B821-4DC425E9AE42}" type="pres">
       <dgm:prSet presAssocID="{90A1A01D-813C-4A17-B570-E8047DAA62DF}" presName="arrow" presStyleLbl="bgShp" presStyleIdx="0" presStyleCnt="1"/>
@@ -10633,6 +10696,13 @@
         </dgm:presLayoutVars>
       </dgm:prSet>
       <dgm:spPr/>
+      <dgm:t>
+        <a:bodyPr/>
+        <a:lstStyle/>
+        <a:p>
+          <a:endParaRPr lang="en-US"/>
+        </a:p>
+      </dgm:t>
     </dgm:pt>
     <dgm:pt modelId="{EBB835B5-66A9-4A14-B40E-BDDC0056DEA7}" type="pres">
       <dgm:prSet presAssocID="{98B14CBF-FE49-480C-9B97-3BFFF1C1903F}" presName="sibTrans" presStyleCnt="0"/>
@@ -10645,6 +10715,13 @@
         </dgm:presLayoutVars>
       </dgm:prSet>
       <dgm:spPr/>
+      <dgm:t>
+        <a:bodyPr/>
+        <a:lstStyle/>
+        <a:p>
+          <a:endParaRPr lang="en-US"/>
+        </a:p>
+      </dgm:t>
     </dgm:pt>
     <dgm:pt modelId="{49AF1C7C-4543-442B-BC31-3EDA6407AF4D}" type="pres">
       <dgm:prSet presAssocID="{76B1BA07-B5FA-42D9-B38B-FF5B5B63C34D}" presName="sibTrans" presStyleCnt="0"/>
@@ -10657,6 +10734,13 @@
         </dgm:presLayoutVars>
       </dgm:prSet>
       <dgm:spPr/>
+      <dgm:t>
+        <a:bodyPr/>
+        <a:lstStyle/>
+        <a:p>
+          <a:endParaRPr lang="en-US"/>
+        </a:p>
+      </dgm:t>
     </dgm:pt>
   </dgm:ptLst>
   <dgm:cxnLst>
@@ -11262,22 +11346,22 @@
     </dgm:pt>
   </dgm:ptLst>
   <dgm:cxnLst>
+    <dgm:cxn modelId="{EC7312EF-1A8A-4074-B055-3997591C8C7E}" srcId="{A69E0D51-9C4B-410E-AE93-83AC8ED2BA0E}" destId="{311ACF28-A2BE-4178-A180-3B09211F4F70}" srcOrd="0" destOrd="0" parTransId="{95499C90-D55F-44A4-B394-C5913286832A}" sibTransId="{8FCDC3C9-827A-4CD3-B288-90688BA15322}"/>
+    <dgm:cxn modelId="{4D93D050-03AD-4191-B3DC-FB1687030DB5}" type="presOf" srcId="{311ACF28-A2BE-4178-A180-3B09211F4F70}" destId="{8B3462DB-BC7B-48AE-A447-1B7DFCC0044E}" srcOrd="0" destOrd="0" presId="urn:microsoft.com/office/officeart/2005/8/layout/list1"/>
+    <dgm:cxn modelId="{F9521FA6-3F55-4683-AFDB-2D0A7014A16A}" type="presOf" srcId="{17B344C9-1EA7-4B0E-9A55-965A7BDFBDDA}" destId="{CA82FE43-1792-492D-8F06-B0425C810782}" srcOrd="0" destOrd="0" presId="urn:microsoft.com/office/officeart/2005/8/layout/list1"/>
+    <dgm:cxn modelId="{90568272-AC66-48E1-8F39-71DECD6D62C3}" type="presOf" srcId="{CC3F0FFD-53D4-444D-A837-B3C783A3F0FE}" destId="{73F2B5C4-63D7-499F-A57A-FCFAA51B4D2E}" srcOrd="1" destOrd="0" presId="urn:microsoft.com/office/officeart/2005/8/layout/list1"/>
+    <dgm:cxn modelId="{881C1E11-4C13-4B69-9E82-96617BC85142}" type="presOf" srcId="{4E3B4DCA-6E83-46C9-850A-49783C4EEB0B}" destId="{28B044C9-CA08-4421-959C-18F8A9D93A58}" srcOrd="0" destOrd="0" presId="urn:microsoft.com/office/officeart/2005/8/layout/list1"/>
+    <dgm:cxn modelId="{555DEA19-7D7C-49F0-B84B-1530F9DCC893}" type="presOf" srcId="{2B80D5FC-47EA-4101-BB2E-B36F7F90670D}" destId="{E9955FB1-0D10-417B-B441-610F3CF6D2B8}" srcOrd="1" destOrd="0" presId="urn:microsoft.com/office/officeart/2005/8/layout/list1"/>
+    <dgm:cxn modelId="{42B5B9CF-E996-462A-B274-1CE82BC232E7}" srcId="{A69E0D51-9C4B-410E-AE93-83AC8ED2BA0E}" destId="{CC3F0FFD-53D4-444D-A837-B3C783A3F0FE}" srcOrd="1" destOrd="0" parTransId="{58595091-DCF9-4D43-8A65-818366E999B3}" sibTransId="{DEB6DC17-DF07-450C-B89F-9FBAD350A7C7}"/>
+    <dgm:cxn modelId="{97A7B7B4-1AE5-48C7-9D33-9DE14B774A6C}" type="presOf" srcId="{17B344C9-1EA7-4B0E-9A55-965A7BDFBDDA}" destId="{1FAA7659-DA2C-45C2-9B93-E18148B67A95}" srcOrd="1" destOrd="0" presId="urn:microsoft.com/office/officeart/2005/8/layout/list1"/>
     <dgm:cxn modelId="{7DD09E1E-AEC3-4D0A-8079-D772F50E0400}" srcId="{A69E0D51-9C4B-410E-AE93-83AC8ED2BA0E}" destId="{17B344C9-1EA7-4B0E-9A55-965A7BDFBDDA}" srcOrd="2" destOrd="0" parTransId="{36D69C11-9F23-404A-8501-C1DA5F8A212F}" sibTransId="{263CAC44-939B-438F-B9E2-B9C18C9FAB9E}"/>
+    <dgm:cxn modelId="{0814C207-7F74-4BFC-8780-3F5C181C5CEA}" type="presOf" srcId="{4E3B4DCA-6E83-46C9-850A-49783C4EEB0B}" destId="{886D0F16-1A75-4430-A0EB-6E8CB64EA2A6}" srcOrd="1" destOrd="0" presId="urn:microsoft.com/office/officeart/2005/8/layout/list1"/>
     <dgm:cxn modelId="{B799D5DC-ACEC-4681-AD39-DA2AA2676A2A}" type="presOf" srcId="{A69E0D51-9C4B-410E-AE93-83AC8ED2BA0E}" destId="{6A97AB2D-BCA0-48CC-8C0D-81F9BC6BDAEF}" srcOrd="0" destOrd="0" presId="urn:microsoft.com/office/officeart/2005/8/layout/list1"/>
-    <dgm:cxn modelId="{4D93D050-03AD-4191-B3DC-FB1687030DB5}" type="presOf" srcId="{311ACF28-A2BE-4178-A180-3B09211F4F70}" destId="{8B3462DB-BC7B-48AE-A447-1B7DFCC0044E}" srcOrd="0" destOrd="0" presId="urn:microsoft.com/office/officeart/2005/8/layout/list1"/>
+    <dgm:cxn modelId="{298ABF2D-3D86-4EB2-BD68-CF1A3BEFBC81}" type="presOf" srcId="{CC3F0FFD-53D4-444D-A837-B3C783A3F0FE}" destId="{C84CFA93-6B1A-4630-A81B-92424FBA79FC}" srcOrd="0" destOrd="0" presId="urn:microsoft.com/office/officeart/2005/8/layout/list1"/>
+    <dgm:cxn modelId="{5F56F80A-CED0-4E7D-BBCD-CDDC7168391D}" type="presOf" srcId="{311ACF28-A2BE-4178-A180-3B09211F4F70}" destId="{B6B52F1E-70FA-469C-929C-2B54ABB70041}" srcOrd="1" destOrd="0" presId="urn:microsoft.com/office/officeart/2005/8/layout/list1"/>
+    <dgm:cxn modelId="{C71B377F-4775-452C-8D1B-C64E6402D3D3}" srcId="{A69E0D51-9C4B-410E-AE93-83AC8ED2BA0E}" destId="{2B80D5FC-47EA-4101-BB2E-B36F7F90670D}" srcOrd="3" destOrd="0" parTransId="{0099A1AA-3EA2-4FA5-910D-DFCC670DCBE6}" sibTransId="{F90E328E-80BD-4D79-8FA2-A01CF162DD34}"/>
     <dgm:cxn modelId="{F75AEF00-BB2F-4DAD-AE8C-440DBB66DAD2}" srcId="{A69E0D51-9C4B-410E-AE93-83AC8ED2BA0E}" destId="{4E3B4DCA-6E83-46C9-850A-49783C4EEB0B}" srcOrd="4" destOrd="0" parTransId="{61E5D434-1889-453F-9D68-EA0D425A6FF9}" sibTransId="{32484C59-3291-415B-9343-6D5F6B5529B7}"/>
-    <dgm:cxn modelId="{555DEA19-7D7C-49F0-B84B-1530F9DCC893}" type="presOf" srcId="{2B80D5FC-47EA-4101-BB2E-B36F7F90670D}" destId="{E9955FB1-0D10-417B-B441-610F3CF6D2B8}" srcOrd="1" destOrd="0" presId="urn:microsoft.com/office/officeart/2005/8/layout/list1"/>
     <dgm:cxn modelId="{813DAAFE-15D4-4462-A3D4-E5A565A644FD}" type="presOf" srcId="{2B80D5FC-47EA-4101-BB2E-B36F7F90670D}" destId="{CBD8B360-93A3-4C48-9AF5-580B90D8C61F}" srcOrd="0" destOrd="0" presId="urn:microsoft.com/office/officeart/2005/8/layout/list1"/>
-    <dgm:cxn modelId="{42B5B9CF-E996-462A-B274-1CE82BC232E7}" srcId="{A69E0D51-9C4B-410E-AE93-83AC8ED2BA0E}" destId="{CC3F0FFD-53D4-444D-A837-B3C783A3F0FE}" srcOrd="1" destOrd="0" parTransId="{58595091-DCF9-4D43-8A65-818366E999B3}" sibTransId="{DEB6DC17-DF07-450C-B89F-9FBAD350A7C7}"/>
-    <dgm:cxn modelId="{5F56F80A-CED0-4E7D-BBCD-CDDC7168391D}" type="presOf" srcId="{311ACF28-A2BE-4178-A180-3B09211F4F70}" destId="{B6B52F1E-70FA-469C-929C-2B54ABB70041}" srcOrd="1" destOrd="0" presId="urn:microsoft.com/office/officeart/2005/8/layout/list1"/>
-    <dgm:cxn modelId="{90568272-AC66-48E1-8F39-71DECD6D62C3}" type="presOf" srcId="{CC3F0FFD-53D4-444D-A837-B3C783A3F0FE}" destId="{73F2B5C4-63D7-499F-A57A-FCFAA51B4D2E}" srcOrd="1" destOrd="0" presId="urn:microsoft.com/office/officeart/2005/8/layout/list1"/>
-    <dgm:cxn modelId="{298ABF2D-3D86-4EB2-BD68-CF1A3BEFBC81}" type="presOf" srcId="{CC3F0FFD-53D4-444D-A837-B3C783A3F0FE}" destId="{C84CFA93-6B1A-4630-A81B-92424FBA79FC}" srcOrd="0" destOrd="0" presId="urn:microsoft.com/office/officeart/2005/8/layout/list1"/>
-    <dgm:cxn modelId="{881C1E11-4C13-4B69-9E82-96617BC85142}" type="presOf" srcId="{4E3B4DCA-6E83-46C9-850A-49783C4EEB0B}" destId="{28B044C9-CA08-4421-959C-18F8A9D93A58}" srcOrd="0" destOrd="0" presId="urn:microsoft.com/office/officeart/2005/8/layout/list1"/>
-    <dgm:cxn modelId="{97A7B7B4-1AE5-48C7-9D33-9DE14B774A6C}" type="presOf" srcId="{17B344C9-1EA7-4B0E-9A55-965A7BDFBDDA}" destId="{1FAA7659-DA2C-45C2-9B93-E18148B67A95}" srcOrd="1" destOrd="0" presId="urn:microsoft.com/office/officeart/2005/8/layout/list1"/>
-    <dgm:cxn modelId="{C71B377F-4775-452C-8D1B-C64E6402D3D3}" srcId="{A69E0D51-9C4B-410E-AE93-83AC8ED2BA0E}" destId="{2B80D5FC-47EA-4101-BB2E-B36F7F90670D}" srcOrd="3" destOrd="0" parTransId="{0099A1AA-3EA2-4FA5-910D-DFCC670DCBE6}" sibTransId="{F90E328E-80BD-4D79-8FA2-A01CF162DD34}"/>
-    <dgm:cxn modelId="{EC7312EF-1A8A-4074-B055-3997591C8C7E}" srcId="{A69E0D51-9C4B-410E-AE93-83AC8ED2BA0E}" destId="{311ACF28-A2BE-4178-A180-3B09211F4F70}" srcOrd="0" destOrd="0" parTransId="{95499C90-D55F-44A4-B394-C5913286832A}" sibTransId="{8FCDC3C9-827A-4CD3-B288-90688BA15322}"/>
-    <dgm:cxn modelId="{0814C207-7F74-4BFC-8780-3F5C181C5CEA}" type="presOf" srcId="{4E3B4DCA-6E83-46C9-850A-49783C4EEB0B}" destId="{886D0F16-1A75-4430-A0EB-6E8CB64EA2A6}" srcOrd="1" destOrd="0" presId="urn:microsoft.com/office/officeart/2005/8/layout/list1"/>
-    <dgm:cxn modelId="{F9521FA6-3F55-4683-AFDB-2D0A7014A16A}" type="presOf" srcId="{17B344C9-1EA7-4B0E-9A55-965A7BDFBDDA}" destId="{CA82FE43-1792-492D-8F06-B0425C810782}" srcOrd="0" destOrd="0" presId="urn:microsoft.com/office/officeart/2005/8/layout/list1"/>
     <dgm:cxn modelId="{2D0833D5-5920-421D-82E8-45A94565756A}" type="presParOf" srcId="{6A97AB2D-BCA0-48CC-8C0D-81F9BC6BDAEF}" destId="{3D62FC6F-058C-446D-9BD6-9CEF2A064968}" srcOrd="0" destOrd="0" presId="urn:microsoft.com/office/officeart/2005/8/layout/list1"/>
     <dgm:cxn modelId="{BD087CCA-A233-450B-ADCC-EB39DBD22623}" type="presParOf" srcId="{3D62FC6F-058C-446D-9BD6-9CEF2A064968}" destId="{8B3462DB-BC7B-48AE-A447-1B7DFCC0044E}" srcOrd="0" destOrd="0" presId="urn:microsoft.com/office/officeart/2005/8/layout/list1"/>
     <dgm:cxn modelId="{62CDAE4D-F588-43DE-AD76-1481DA98543F}" type="presParOf" srcId="{3D62FC6F-058C-446D-9BD6-9CEF2A064968}" destId="{B6B52F1E-70FA-469C-929C-2B54ABB70041}" srcOrd="1" destOrd="0" presId="urn:microsoft.com/office/officeart/2005/8/layout/list1"/>
@@ -45010,7 +45094,6 @@
               <a:rPr lang="en-US" dirty="0"/>
               <a:t>http://developers.facebook.com/docs/reference/api/</a:t>
             </a:r>
-            <a:endParaRPr lang="en-US" dirty="0"/>
           </a:p>
         </p:txBody>
       </p:sp>
@@ -45051,25 +45134,36 @@
           <a:chExt cx="0" cy="0"/>
         </a:xfrm>
       </p:grpSpPr>
-      <p:sp>
-        <p:nvSpPr>
-          <p:cNvPr id="3" name="Content Placeholder 2"/>
-          <p:cNvSpPr>
-            <a:spLocks noGrp="1"/>
-          </p:cNvSpPr>
-          <p:nvPr>
-            <p:ph idx="1"/>
-          </p:nvPr>
-        </p:nvSpPr>
-        <p:spPr/>
-        <p:txBody>
-          <a:bodyPr/>
-          <a:lstStyle/>
-          <a:p>
-            <a:endParaRPr lang="en-US"/>
-          </a:p>
-        </p:txBody>
-      </p:sp>
+      <p:pic>
+        <p:nvPicPr>
+          <p:cNvPr id="2" name="Picture 1"/>
+          <p:cNvPicPr>
+            <a:picLocks noChangeAspect="1"/>
+          </p:cNvPicPr>
+          <p:nvPr/>
+        </p:nvPicPr>
+        <p:blipFill>
+          <a:blip r:embed="rId2">
+            <a:extLst>
+              <a:ext uri="{28A0092B-C50C-407E-A947-70E740481C1C}">
+                <a14:useLocalDpi xmlns:a14="http://schemas.microsoft.com/office/drawing/2010/main" val="0"/>
+              </a:ext>
+            </a:extLst>
+          </a:blip>
+          <a:stretch>
+            <a:fillRect/>
+          </a:stretch>
+        </p:blipFill>
+        <p:spPr>
+          <a:xfrm>
+            <a:off x="1295400" y="914400"/>
+            <a:ext cx="6694326" cy="5105400"/>
+          </a:xfrm>
+          <a:prstGeom prst="rect">
+            <a:avLst/>
+          </a:prstGeom>
+        </p:spPr>
+      </p:pic>
     </p:spTree>
     <p:extLst>
       <p:ext uri="{BB962C8B-B14F-4D97-AF65-F5344CB8AC3E}">
@@ -45083,7 +45177,86 @@
   <p:timing>
     <p:tnLst>
       <p:par>
-        <p:cTn id="1" dur="indefinite" restart="never" nodeType="tmRoot"/>
+        <p:cTn id="1" dur="indefinite" restart="never" nodeType="tmRoot">
+          <p:childTnLst>
+            <p:seq concurrent="1" nextAc="seek">
+              <p:cTn id="2" dur="indefinite" nodeType="mainSeq">
+                <p:childTnLst>
+                  <p:par>
+                    <p:cTn id="3" fill="hold">
+                      <p:stCondLst>
+                        <p:cond delay="indefinite"/>
+                        <p:cond evt="onBegin" delay="0">
+                          <p:tn val="2"/>
+                        </p:cond>
+                      </p:stCondLst>
+                      <p:childTnLst>
+                        <p:par>
+                          <p:cTn id="4" fill="hold">
+                            <p:stCondLst>
+                              <p:cond delay="0"/>
+                            </p:stCondLst>
+                            <p:childTnLst>
+                              <p:par>
+                                <p:cTn id="5" presetID="16" presetClass="entr" presetSubtype="21" fill="hold" nodeType="withEffect">
+                                  <p:stCondLst>
+                                    <p:cond delay="0"/>
+                                  </p:stCondLst>
+                                  <p:childTnLst>
+                                    <p:set>
+                                      <p:cBhvr>
+                                        <p:cTn id="6" dur="1" fill="hold">
+                                          <p:stCondLst>
+                                            <p:cond delay="0"/>
+                                          </p:stCondLst>
+                                        </p:cTn>
+                                        <p:tgtEl>
+                                          <p:spTgt spid="2"/>
+                                        </p:tgtEl>
+                                        <p:attrNameLst>
+                                          <p:attrName>style.visibility</p:attrName>
+                                        </p:attrNameLst>
+                                      </p:cBhvr>
+                                      <p:to>
+                                        <p:strVal val="visible"/>
+                                      </p:to>
+                                    </p:set>
+                                    <p:animEffect transition="in" filter="barn(inVertical)">
+                                      <p:cBhvr>
+                                        <p:cTn id="7" dur="500"/>
+                                        <p:tgtEl>
+                                          <p:spTgt spid="2"/>
+                                        </p:tgtEl>
+                                      </p:cBhvr>
+                                    </p:animEffect>
+                                  </p:childTnLst>
+                                </p:cTn>
+                              </p:par>
+                            </p:childTnLst>
+                          </p:cTn>
+                        </p:par>
+                      </p:childTnLst>
+                    </p:cTn>
+                  </p:par>
+                </p:childTnLst>
+              </p:cTn>
+              <p:prevCondLst>
+                <p:cond evt="onPrev" delay="0">
+                  <p:tgtEl>
+                    <p:sldTgt/>
+                  </p:tgtEl>
+                </p:cond>
+              </p:prevCondLst>
+              <p:nextCondLst>
+                <p:cond evt="onNext" delay="0">
+                  <p:tgtEl>
+                    <p:sldTgt/>
+                  </p:tgtEl>
+                </p:cond>
+              </p:nextCondLst>
+            </p:seq>
+          </p:childTnLst>
+        </p:cTn>
       </p:par>
     </p:tnLst>
   </p:timing>
@@ -46415,12 +46588,17 @@
             </a:r>
             <a:r>
               <a:rPr lang="en-US" dirty="0" err="1" smtClean="0"/>
-              <a:t>cùa</a:t>
+              <a:t>của</a:t>
             </a:r>
             <a:r>
               <a:rPr lang="en-US" dirty="0" smtClean="0"/>
-              <a:t> Facebook</a:t>
-            </a:r>
+              <a:t> </a:t>
+            </a:r>
+            <a:r>
+              <a:rPr lang="en-US" dirty="0" smtClean="0"/>
+              <a:t>Facebook</a:t>
+            </a:r>
+            <a:endParaRPr lang="en-US" dirty="0" smtClean="0"/>
           </a:p>
           <a:p>
             <a:pPr marL="0" indent="0">
